--- a/GoldCompilers/Documentation/Prensentation/Third Stage/Presentation.pptx
+++ b/GoldCompilers/Documentation/Prensentation/Third Stage/Presentation.pptx
@@ -882,7 +882,7 @@
           <a:p>
             <a:fld id="{224F1102-F555-4E50-A782-E55EEE5C6243}" type="datetimeFigureOut">
               <a:rPr lang="es-MX" smtClean="0"/>
-              <a:t>14/08/2021</a:t>
+              <a:t>15/08/2021</a:t>
             </a:fld>
             <a:endParaRPr lang="es-MX" dirty="0"/>
           </a:p>
@@ -1133,7 +1133,7 @@
           <a:p>
             <a:fld id="{224F1102-F555-4E50-A782-E55EEE5C6243}" type="datetimeFigureOut">
               <a:rPr lang="es-MX" smtClean="0"/>
-              <a:t>14/08/2021</a:t>
+              <a:t>15/08/2021</a:t>
             </a:fld>
             <a:endParaRPr lang="es-MX" dirty="0"/>
           </a:p>
@@ -1447,7 +1447,7 @@
           <a:p>
             <a:fld id="{224F1102-F555-4E50-A782-E55EEE5C6243}" type="datetimeFigureOut">
               <a:rPr lang="es-MX" smtClean="0"/>
-              <a:t>14/08/2021</a:t>
+              <a:t>15/08/2021</a:t>
             </a:fld>
             <a:endParaRPr lang="es-MX" dirty="0"/>
           </a:p>
@@ -1788,7 +1788,7 @@
           <a:p>
             <a:fld id="{224F1102-F555-4E50-A782-E55EEE5C6243}" type="datetimeFigureOut">
               <a:rPr lang="es-MX" smtClean="0"/>
-              <a:t>14/08/2021</a:t>
+              <a:t>15/08/2021</a:t>
             </a:fld>
             <a:endParaRPr lang="es-MX" dirty="0"/>
           </a:p>
@@ -2102,7 +2102,7 @@
           <a:p>
             <a:fld id="{224F1102-F555-4E50-A782-E55EEE5C6243}" type="datetimeFigureOut">
               <a:rPr lang="es-MX" smtClean="0"/>
-              <a:t>14/08/2021</a:t>
+              <a:t>15/08/2021</a:t>
             </a:fld>
             <a:endParaRPr lang="es-MX" dirty="0"/>
           </a:p>
@@ -2495,7 +2495,7 @@
           <a:p>
             <a:fld id="{224F1102-F555-4E50-A782-E55EEE5C6243}" type="datetimeFigureOut">
               <a:rPr lang="es-MX" smtClean="0"/>
-              <a:t>14/08/2021</a:t>
+              <a:t>15/08/2021</a:t>
             </a:fld>
             <a:endParaRPr lang="es-MX" dirty="0"/>
           </a:p>
@@ -2665,7 +2665,7 @@
           <a:p>
             <a:fld id="{224F1102-F555-4E50-A782-E55EEE5C6243}" type="datetimeFigureOut">
               <a:rPr lang="es-MX" smtClean="0"/>
-              <a:t>14/08/2021</a:t>
+              <a:t>15/08/2021</a:t>
             </a:fld>
             <a:endParaRPr lang="es-MX" dirty="0"/>
           </a:p>
@@ -2845,7 +2845,7 @@
           <a:p>
             <a:fld id="{224F1102-F555-4E50-A782-E55EEE5C6243}" type="datetimeFigureOut">
               <a:rPr lang="es-MX" smtClean="0"/>
-              <a:t>14/08/2021</a:t>
+              <a:t>15/08/2021</a:t>
             </a:fld>
             <a:endParaRPr lang="es-MX" dirty="0"/>
           </a:p>
@@ -3021,7 +3021,7 @@
           <a:p>
             <a:fld id="{224F1102-F555-4E50-A782-E55EEE5C6243}" type="datetimeFigureOut">
               <a:rPr lang="es-MX" smtClean="0"/>
-              <a:t>14/08/2021</a:t>
+              <a:t>15/08/2021</a:t>
             </a:fld>
             <a:endParaRPr lang="es-MX" dirty="0"/>
           </a:p>
@@ -3268,7 +3268,7 @@
           <a:p>
             <a:fld id="{224F1102-F555-4E50-A782-E55EEE5C6243}" type="datetimeFigureOut">
               <a:rPr lang="es-MX" smtClean="0"/>
-              <a:t>14/08/2021</a:t>
+              <a:t>15/08/2021</a:t>
             </a:fld>
             <a:endParaRPr lang="es-MX" dirty="0"/>
           </a:p>
@@ -3500,7 +3500,7 @@
           <a:p>
             <a:fld id="{224F1102-F555-4E50-A782-E55EEE5C6243}" type="datetimeFigureOut">
               <a:rPr lang="es-MX" smtClean="0"/>
-              <a:t>14/08/2021</a:t>
+              <a:t>15/08/2021</a:t>
             </a:fld>
             <a:endParaRPr lang="es-MX" dirty="0"/>
           </a:p>
@@ -3874,7 +3874,7 @@
           <a:p>
             <a:fld id="{224F1102-F555-4E50-A782-E55EEE5C6243}" type="datetimeFigureOut">
               <a:rPr lang="es-MX" smtClean="0"/>
-              <a:t>14/08/2021</a:t>
+              <a:t>15/08/2021</a:t>
             </a:fld>
             <a:endParaRPr lang="es-MX" dirty="0"/>
           </a:p>
@@ -3997,7 +3997,7 @@
           <a:p>
             <a:fld id="{224F1102-F555-4E50-A782-E55EEE5C6243}" type="datetimeFigureOut">
               <a:rPr lang="es-MX" smtClean="0"/>
-              <a:t>14/08/2021</a:t>
+              <a:t>15/08/2021</a:t>
             </a:fld>
             <a:endParaRPr lang="es-MX" dirty="0"/>
           </a:p>
@@ -4092,7 +4092,7 @@
           <a:p>
             <a:fld id="{224F1102-F555-4E50-A782-E55EEE5C6243}" type="datetimeFigureOut">
               <a:rPr lang="es-MX" smtClean="0"/>
-              <a:t>14/08/2021</a:t>
+              <a:t>15/08/2021</a:t>
             </a:fld>
             <a:endParaRPr lang="es-MX" dirty="0"/>
           </a:p>
@@ -4347,7 +4347,7 @@
           <a:p>
             <a:fld id="{224F1102-F555-4E50-A782-E55EEE5C6243}" type="datetimeFigureOut">
               <a:rPr lang="es-MX" smtClean="0"/>
-              <a:t>14/08/2021</a:t>
+              <a:t>15/08/2021</a:t>
             </a:fld>
             <a:endParaRPr lang="es-MX" dirty="0"/>
           </a:p>
@@ -4610,7 +4610,7 @@
           <a:p>
             <a:fld id="{224F1102-F555-4E50-A782-E55EEE5C6243}" type="datetimeFigureOut">
               <a:rPr lang="es-MX" smtClean="0"/>
-              <a:t>14/08/2021</a:t>
+              <a:t>15/08/2021</a:t>
             </a:fld>
             <a:endParaRPr lang="es-MX" dirty="0"/>
           </a:p>
@@ -5353,7 +5353,7 @@
           <a:p>
             <a:fld id="{224F1102-F555-4E50-A782-E55EEE5C6243}" type="datetimeFigureOut">
               <a:rPr lang="es-MX" smtClean="0"/>
-              <a:t>14/08/2021</a:t>
+              <a:t>15/08/2021</a:t>
             </a:fld>
             <a:endParaRPr lang="es-MX" dirty="0"/>
           </a:p>
@@ -8189,7 +8189,7 @@
               <a:rPr lang="es-MX" sz="2400" b="0" i="0" u="none" strike="noStrike" baseline="0" dirty="0">
                 <a:latin typeface="Trebuchet MS" panose="020B0603020202020204" pitchFamily="34" charset="0"/>
               </a:rPr>
-              <a:t>San Juan Aldape Diana Paola  (</a:t>
+              <a:t>Sanjuan Aldape Diana Paola  (</a:t>
             </a:r>
             <a:r>
               <a:rPr lang="es-MX" sz="2400" b="0" i="0" u="none" strike="noStrike" baseline="0" dirty="0" err="1">

--- a/GoldCompilers/Documentation/Prensentation/Third Stage/Presentation.pptx
+++ b/GoldCompilers/Documentation/Prensentation/Third Stage/Presentation.pptx
@@ -882,7 +882,7 @@
           <a:p>
             <a:fld id="{224F1102-F555-4E50-A782-E55EEE5C6243}" type="datetimeFigureOut">
               <a:rPr lang="es-MX" smtClean="0"/>
-              <a:t>15/08/2021</a:t>
+              <a:t>16/08/2021</a:t>
             </a:fld>
             <a:endParaRPr lang="es-MX" dirty="0"/>
           </a:p>
@@ -1133,7 +1133,7 @@
           <a:p>
             <a:fld id="{224F1102-F555-4E50-A782-E55EEE5C6243}" type="datetimeFigureOut">
               <a:rPr lang="es-MX" smtClean="0"/>
-              <a:t>15/08/2021</a:t>
+              <a:t>16/08/2021</a:t>
             </a:fld>
             <a:endParaRPr lang="es-MX" dirty="0"/>
           </a:p>
@@ -1447,7 +1447,7 @@
           <a:p>
             <a:fld id="{224F1102-F555-4E50-A782-E55EEE5C6243}" type="datetimeFigureOut">
               <a:rPr lang="es-MX" smtClean="0"/>
-              <a:t>15/08/2021</a:t>
+              <a:t>16/08/2021</a:t>
             </a:fld>
             <a:endParaRPr lang="es-MX" dirty="0"/>
           </a:p>
@@ -1788,7 +1788,7 @@
           <a:p>
             <a:fld id="{224F1102-F555-4E50-A782-E55EEE5C6243}" type="datetimeFigureOut">
               <a:rPr lang="es-MX" smtClean="0"/>
-              <a:t>15/08/2021</a:t>
+              <a:t>16/08/2021</a:t>
             </a:fld>
             <a:endParaRPr lang="es-MX" dirty="0"/>
           </a:p>
@@ -2102,7 +2102,7 @@
           <a:p>
             <a:fld id="{224F1102-F555-4E50-A782-E55EEE5C6243}" type="datetimeFigureOut">
               <a:rPr lang="es-MX" smtClean="0"/>
-              <a:t>15/08/2021</a:t>
+              <a:t>16/08/2021</a:t>
             </a:fld>
             <a:endParaRPr lang="es-MX" dirty="0"/>
           </a:p>
@@ -2495,7 +2495,7 @@
           <a:p>
             <a:fld id="{224F1102-F555-4E50-A782-E55EEE5C6243}" type="datetimeFigureOut">
               <a:rPr lang="es-MX" smtClean="0"/>
-              <a:t>15/08/2021</a:t>
+              <a:t>16/08/2021</a:t>
             </a:fld>
             <a:endParaRPr lang="es-MX" dirty="0"/>
           </a:p>
@@ -2665,7 +2665,7 @@
           <a:p>
             <a:fld id="{224F1102-F555-4E50-A782-E55EEE5C6243}" type="datetimeFigureOut">
               <a:rPr lang="es-MX" smtClean="0"/>
-              <a:t>15/08/2021</a:t>
+              <a:t>16/08/2021</a:t>
             </a:fld>
             <a:endParaRPr lang="es-MX" dirty="0"/>
           </a:p>
@@ -2845,7 +2845,7 @@
           <a:p>
             <a:fld id="{224F1102-F555-4E50-A782-E55EEE5C6243}" type="datetimeFigureOut">
               <a:rPr lang="es-MX" smtClean="0"/>
-              <a:t>15/08/2021</a:t>
+              <a:t>16/08/2021</a:t>
             </a:fld>
             <a:endParaRPr lang="es-MX" dirty="0"/>
           </a:p>
@@ -3021,7 +3021,7 @@
           <a:p>
             <a:fld id="{224F1102-F555-4E50-A782-E55EEE5C6243}" type="datetimeFigureOut">
               <a:rPr lang="es-MX" smtClean="0"/>
-              <a:t>15/08/2021</a:t>
+              <a:t>16/08/2021</a:t>
             </a:fld>
             <a:endParaRPr lang="es-MX" dirty="0"/>
           </a:p>
@@ -3268,7 +3268,7 @@
           <a:p>
             <a:fld id="{224F1102-F555-4E50-A782-E55EEE5C6243}" type="datetimeFigureOut">
               <a:rPr lang="es-MX" smtClean="0"/>
-              <a:t>15/08/2021</a:t>
+              <a:t>16/08/2021</a:t>
             </a:fld>
             <a:endParaRPr lang="es-MX" dirty="0"/>
           </a:p>
@@ -3500,7 +3500,7 @@
           <a:p>
             <a:fld id="{224F1102-F555-4E50-A782-E55EEE5C6243}" type="datetimeFigureOut">
               <a:rPr lang="es-MX" smtClean="0"/>
-              <a:t>15/08/2021</a:t>
+              <a:t>16/08/2021</a:t>
             </a:fld>
             <a:endParaRPr lang="es-MX" dirty="0"/>
           </a:p>
@@ -3874,7 +3874,7 @@
           <a:p>
             <a:fld id="{224F1102-F555-4E50-A782-E55EEE5C6243}" type="datetimeFigureOut">
               <a:rPr lang="es-MX" smtClean="0"/>
-              <a:t>15/08/2021</a:t>
+              <a:t>16/08/2021</a:t>
             </a:fld>
             <a:endParaRPr lang="es-MX" dirty="0"/>
           </a:p>
@@ -3997,7 +3997,7 @@
           <a:p>
             <a:fld id="{224F1102-F555-4E50-A782-E55EEE5C6243}" type="datetimeFigureOut">
               <a:rPr lang="es-MX" smtClean="0"/>
-              <a:t>15/08/2021</a:t>
+              <a:t>16/08/2021</a:t>
             </a:fld>
             <a:endParaRPr lang="es-MX" dirty="0"/>
           </a:p>
@@ -4092,7 +4092,7 @@
           <a:p>
             <a:fld id="{224F1102-F555-4E50-A782-E55EEE5C6243}" type="datetimeFigureOut">
               <a:rPr lang="es-MX" smtClean="0"/>
-              <a:t>15/08/2021</a:t>
+              <a:t>16/08/2021</a:t>
             </a:fld>
             <a:endParaRPr lang="es-MX" dirty="0"/>
           </a:p>
@@ -4347,7 +4347,7 @@
           <a:p>
             <a:fld id="{224F1102-F555-4E50-A782-E55EEE5C6243}" type="datetimeFigureOut">
               <a:rPr lang="es-MX" smtClean="0"/>
-              <a:t>15/08/2021</a:t>
+              <a:t>16/08/2021</a:t>
             </a:fld>
             <a:endParaRPr lang="es-MX" dirty="0"/>
           </a:p>
@@ -4610,7 +4610,7 @@
           <a:p>
             <a:fld id="{224F1102-F555-4E50-A782-E55EEE5C6243}" type="datetimeFigureOut">
               <a:rPr lang="es-MX" smtClean="0"/>
-              <a:t>15/08/2021</a:t>
+              <a:t>16/08/2021</a:t>
             </a:fld>
             <a:endParaRPr lang="es-MX" dirty="0"/>
           </a:p>
@@ -5353,7 +5353,7 @@
           <a:p>
             <a:fld id="{224F1102-F555-4E50-A782-E55EEE5C6243}" type="datetimeFigureOut">
               <a:rPr lang="es-MX" smtClean="0"/>
-              <a:t>15/08/2021</a:t>
+              <a:t>16/08/2021</a:t>
             </a:fld>
             <a:endParaRPr lang="es-MX" dirty="0"/>
           </a:p>
@@ -7437,7 +7437,7 @@
           <a:p>
             <a:r>
               <a:rPr lang="en-US" sz="2000" dirty="0"/>
-              <a:t>(-a)Development language must be a matching pattern to easily build an Abstract Syntax Tree (AST), however, phase I the right side’s tree must be nil.</a:t>
+              <a:t>(-a)Development language must be a matching pattern to easily build an Abstract Syntax Tree (AST)</a:t>
             </a:r>
             <a:endParaRPr lang="es-MX" sz="2000" dirty="0"/>
           </a:p>
@@ -11426,7 +11426,7 @@
           <a:p>
             <a:r>
               <a:rPr lang="en-US" sz="2000" dirty="0"/>
-              <a:t>(-a)Development language must be a matching pattern to easily build an Abstract Syntax Tree (AST), however, phase I the right side’s tree must be nil.</a:t>
+              <a:t>(-a)Development language must be a matching pattern to easily build an Abstract Syntax Tree (AST).</a:t>
             </a:r>
             <a:endParaRPr lang="es-MX" sz="2000" dirty="0"/>
           </a:p>
@@ -14600,6 +14600,7 @@
           </a:bodyPr>
           <a:lstStyle/>
           <a:p>
+            <a:pPr algn="just"/>
             <a:r>
               <a:rPr lang="en-US" sz="2400" b="0" i="0" u="none" strike="noStrike" baseline="0" dirty="0">
                 <a:solidFill>
@@ -14607,10 +14608,11 @@
                 </a:solidFill>
                 <a:latin typeface="PT Sans"/>
               </a:rPr>
-              <a:t>Our compiler must can return a result operated with unary operations like negate result, positive, bitwise, and logical negation.</a:t>
-            </a:r>
-          </a:p>
-          <a:p>
+              <a:t>Our compiler must be able to operate a binary operation like addition, subtraction, multiplication, and division.</a:t>
+            </a:r>
+          </a:p>
+          <a:p>
+            <a:pPr algn="just"/>
             <a:r>
               <a:rPr lang="en-US" sz="2400" b="0" i="0" u="none" strike="noStrike" baseline="0" dirty="0">
                 <a:solidFill>
@@ -16244,7 +16246,7 @@
           <a:p>
             <a:r>
               <a:rPr lang="en-US" sz="2000" dirty="0"/>
-              <a:t>(-a)Development language must be a matching pattern to easily build an Abstract Syntax Tree (AST), however, phase I the right side’s tree must be nil.</a:t>
+              <a:t>(-a)Development language must be a matching pattern to easily build an Abstract Syntax Tree (AST).</a:t>
             </a:r>
             <a:endParaRPr lang="es-MX" sz="2000" dirty="0"/>
           </a:p>
